--- a/2018/2018.04.11-Heranca.pptx
+++ b/2018/2018.04.11-Heranca.pptx
@@ -22,7 +22,6 @@
     <p:sldId id="272" r:id="rId16"/>
     <p:sldId id="267" r:id="rId17"/>
     <p:sldId id="266" r:id="rId18"/>
-    <p:sldId id="268" r:id="rId19"/>
   </p:sldIdLst>
   <p:sldSz cx="12190413" cy="6858000"/>
   <p:notesSz cx="6858000" cy="9144000"/>
@@ -374,7 +373,7 @@
           <a:p>
             <a:fld id="{9E0BFD56-3D73-451E-9A87-18740EEBF47F}" type="datetimeFigureOut">
               <a:rPr lang="pt-BR" smtClean="0"/>
-              <a:t>11/04/2018</a:t>
+              <a:t>28/04/2018</a:t>
             </a:fld>
             <a:endParaRPr lang="pt-BR"/>
           </a:p>
@@ -550,7 +549,7 @@
           <a:p>
             <a:fld id="{9E0BFD56-3D73-451E-9A87-18740EEBF47F}" type="datetimeFigureOut">
               <a:rPr lang="pt-BR" smtClean="0"/>
-              <a:t>11/04/2018</a:t>
+              <a:t>28/04/2018</a:t>
             </a:fld>
             <a:endParaRPr lang="pt-BR"/>
           </a:p>
@@ -674,7 +673,7 @@
           <a:p>
             <a:fld id="{9E0BFD56-3D73-451E-9A87-18740EEBF47F}" type="datetimeFigureOut">
               <a:rPr lang="pt-BR" smtClean="0"/>
-              <a:t>11/04/2018</a:t>
+              <a:t>28/04/2018</a:t>
             </a:fld>
             <a:endParaRPr lang="pt-BR"/>
           </a:p>
@@ -764,7 +763,7 @@
           <a:p>
             <a:fld id="{9E0BFD56-3D73-451E-9A87-18740EEBF47F}" type="datetimeFigureOut">
               <a:rPr lang="pt-BR" smtClean="0"/>
-              <a:t>11/04/2018</a:t>
+              <a:t>28/04/2018</a:t>
             </a:fld>
             <a:endParaRPr lang="pt-BR"/>
           </a:p>
@@ -1002,7 +1001,7 @@
           <a:p>
             <a:fld id="{9E0BFD56-3D73-451E-9A87-18740EEBF47F}" type="datetimeFigureOut">
               <a:rPr lang="pt-BR" smtClean="0"/>
-              <a:t>11/04/2018</a:t>
+              <a:t>28/04/2018</a:t>
             </a:fld>
             <a:endParaRPr lang="pt-BR"/>
           </a:p>
@@ -1178,7 +1177,7 @@
           <a:p>
             <a:fld id="{9E0BFD56-3D73-451E-9A87-18740EEBF47F}" type="datetimeFigureOut">
               <a:rPr lang="pt-BR" smtClean="0"/>
-              <a:t>11/04/2018</a:t>
+              <a:t>28/04/2018</a:t>
             </a:fld>
             <a:endParaRPr lang="pt-BR"/>
           </a:p>
@@ -1416,7 +1415,7 @@
           <a:p>
             <a:fld id="{9E0BFD56-3D73-451E-9A87-18740EEBF47F}" type="datetimeFigureOut">
               <a:rPr lang="pt-BR" smtClean="0"/>
-              <a:t>11/04/2018</a:t>
+              <a:t>28/04/2018</a:t>
             </a:fld>
             <a:endParaRPr lang="pt-BR"/>
           </a:p>
@@ -1685,7 +1684,7 @@
           <a:p>
             <a:fld id="{9E0BFD56-3D73-451E-9A87-18740EEBF47F}" type="datetimeFigureOut">
               <a:rPr lang="pt-BR" smtClean="0"/>
-              <a:t>11/04/2018</a:t>
+              <a:t>28/04/2018</a:t>
             </a:fld>
             <a:endParaRPr lang="pt-BR"/>
           </a:p>
@@ -2789,115 +2788,6 @@
     <p:extLst>
       <p:ext uri="{BB962C8B-B14F-4D97-AF65-F5344CB8AC3E}">
         <p14:creationId xmlns:p14="http://schemas.microsoft.com/office/powerpoint/2010/main" val="3605502965"/>
-      </p:ext>
-    </p:extLst>
-  </p:cSld>
-  <p:clrMapOvr>
-    <a:masterClrMapping/>
-  </p:clrMapOvr>
-  <p:timing>
-    <p:tnLst>
-      <p:par>
-        <p:cTn id="1" dur="indefinite" restart="never" nodeType="tmRoot"/>
-      </p:par>
-    </p:tnLst>
-  </p:timing>
-</p:sld>
-</file>
-
-<file path=ppt/slides/slide18.xml><?xml version="1.0" encoding="utf-8"?>
-<p:sld xmlns:a="http://schemas.openxmlformats.org/drawingml/2006/main" xmlns:r="http://schemas.openxmlformats.org/officeDocument/2006/relationships" xmlns:p="http://schemas.openxmlformats.org/presentationml/2006/main">
-  <p:cSld>
-    <p:spTree>
-      <p:nvGrpSpPr>
-        <p:cNvPr id="1" name=""/>
-        <p:cNvGrpSpPr/>
-        <p:nvPr/>
-      </p:nvGrpSpPr>
-      <p:grpSpPr>
-        <a:xfrm>
-          <a:off x="0" y="0"/>
-          <a:ext cx="0" cy="0"/>
-          <a:chOff x="0" y="0"/>
-          <a:chExt cx="0" cy="0"/>
-        </a:xfrm>
-      </p:grpSpPr>
-      <p:sp>
-        <p:nvSpPr>
-          <p:cNvPr id="2" name="Espaço Reservado para Texto 1"/>
-          <p:cNvSpPr>
-            <a:spLocks noGrp="1"/>
-          </p:cNvSpPr>
-          <p:nvPr>
-            <p:ph type="body" idx="1"/>
-          </p:nvPr>
-        </p:nvSpPr>
-        <p:spPr/>
-        <p:txBody>
-          <a:bodyPr>
-            <a:normAutofit/>
-          </a:bodyPr>
-          <a:lstStyle/>
-          <a:p>
-            <a:r>
-              <a:rPr lang="pt-BR" dirty="0" smtClean="0"/>
-              <a:t>Implementar a simulação de operação de contas bancárias, incluindo conta comum (apenas saldo), conta poupança (rendimento), conta corrente (taxa de manutenção) e conta especial (limite). </a:t>
-            </a:r>
-          </a:p>
-          <a:p>
-            <a:r>
-              <a:rPr lang="pt-BR" dirty="0" smtClean="0"/>
-              <a:t>Você deve incluir na solução o titular da conta da conta com todos os seus dados.</a:t>
-            </a:r>
-          </a:p>
-          <a:p>
-            <a:r>
-              <a:rPr lang="pt-BR" dirty="0" smtClean="0"/>
-              <a:t>Inicialmente, considerar apenas uma conta de cada tipo.</a:t>
-            </a:r>
-          </a:p>
-          <a:p>
-            <a:r>
-              <a:rPr lang="pt-BR" dirty="0" smtClean="0"/>
-              <a:t>Valor: 2 pts.</a:t>
-            </a:r>
-          </a:p>
-          <a:p>
-            <a:r>
-              <a:rPr lang="pt-BR" smtClean="0"/>
-              <a:t>Entrega: 05/06/2017</a:t>
-            </a:r>
-            <a:endParaRPr lang="pt-BR" dirty="0" smtClean="0"/>
-          </a:p>
-        </p:txBody>
-      </p:sp>
-      <p:sp>
-        <p:nvSpPr>
-          <p:cNvPr id="3" name="Título 2"/>
-          <p:cNvSpPr>
-            <a:spLocks noGrp="1"/>
-          </p:cNvSpPr>
-          <p:nvPr>
-            <p:ph type="title"/>
-          </p:nvPr>
-        </p:nvSpPr>
-        <p:spPr/>
-        <p:txBody>
-          <a:bodyPr/>
-          <a:lstStyle/>
-          <a:p>
-            <a:r>
-              <a:rPr lang="pt-BR" dirty="0" smtClean="0"/>
-              <a:t>Trabalho</a:t>
-            </a:r>
-            <a:endParaRPr lang="pt-BR" dirty="0"/>
-          </a:p>
-        </p:txBody>
-      </p:sp>
-    </p:spTree>
-    <p:extLst>
-      <p:ext uri="{BB962C8B-B14F-4D97-AF65-F5344CB8AC3E}">
-        <p14:creationId xmlns:p14="http://schemas.microsoft.com/office/powerpoint/2010/main" val="720591981"/>
       </p:ext>
     </p:extLst>
   </p:cSld>
